--- a/DATOS COVID Chile 2022 02 05.pptx
+++ b/DATOS COVID Chile 2022 02 05.pptx
@@ -5,7 +5,7 @@
     <p:sldMasterId id="2147483648" r:id="rId1"/>
   </p:sldMasterIdLst>
   <p:notesMasterIdLst>
-    <p:notesMasterId r:id="rId26"/>
+    <p:notesMasterId r:id="rId29"/>
   </p:notesMasterIdLst>
   <p:sldIdLst>
     <p:sldId id="266" r:id="rId2"/>
@@ -30,8 +30,11 @@
     <p:sldId id="300" r:id="rId21"/>
     <p:sldId id="440" r:id="rId22"/>
     <p:sldId id="451" r:id="rId23"/>
-    <p:sldId id="424" r:id="rId24"/>
-    <p:sldId id="435" r:id="rId25"/>
+    <p:sldId id="435" r:id="rId24"/>
+    <p:sldId id="453" r:id="rId25"/>
+    <p:sldId id="455" r:id="rId26"/>
+    <p:sldId id="454" r:id="rId27"/>
+    <p:sldId id="424" r:id="rId28"/>
   </p:sldIdLst>
   <p:sldSz cx="12192000" cy="6858000"/>
   <p:notesSz cx="6858000" cy="9144000"/>
@@ -5853,8 +5856,8 @@
         </p:blipFill>
         <p:spPr>
           <a:xfrm>
-            <a:off x="1454150" y="1104900"/>
-            <a:ext cx="9283700" cy="4648200"/>
+            <a:off x="962832" y="612910"/>
+            <a:ext cx="10266336" cy="5140190"/>
           </a:xfrm>
           <a:prstGeom prst="rect">
             <a:avLst/>
@@ -6062,7 +6065,7 @@
         </p:blipFill>
         <p:spPr>
           <a:xfrm>
-            <a:off x="950467" y="797218"/>
+            <a:off x="950467" y="612910"/>
             <a:ext cx="10291066" cy="5152572"/>
           </a:xfrm>
           <a:prstGeom prst="rect">
@@ -6260,10 +6263,10 @@
       </p:sp>
       <p:pic>
         <p:nvPicPr>
-          <p:cNvPr id="4" name="Picture 3" descr="Chart&#10;&#10;Description automatically generated">
-            <a:extLst>
-              <a:ext uri="{FF2B5EF4-FFF2-40B4-BE49-F238E27FC236}">
-                <a16:creationId xmlns:a16="http://schemas.microsoft.com/office/drawing/2014/main" id="{C14D6960-628B-CB4F-8C98-369431EAE323}"/>
+          <p:cNvPr id="3" name="Picture 2" descr="Chart, bar chart&#10;&#10;Description automatically generated">
+            <a:extLst>
+              <a:ext uri="{FF2B5EF4-FFF2-40B4-BE49-F238E27FC236}">
+                <a16:creationId xmlns:a16="http://schemas.microsoft.com/office/drawing/2014/main" id="{74BB1321-4749-1849-A2AC-A4D424A3E8EB}"/>
               </a:ext>
             </a:extLst>
           </p:cNvPr>
@@ -6280,8 +6283,8 @@
         </p:blipFill>
         <p:spPr>
           <a:xfrm>
-            <a:off x="1218309" y="753874"/>
-            <a:ext cx="9755380" cy="5660969"/>
+            <a:off x="2029821" y="762409"/>
+            <a:ext cx="8132355" cy="5686211"/>
           </a:xfrm>
           <a:prstGeom prst="rect">
             <a:avLst/>
@@ -6517,6 +6520,17 @@
               </a:rPr>
               <a:t>semanales</a:t>
             </a:r>
+            <a:endParaRPr lang="en-US" sz="3200" dirty="0">
+              <a:solidFill>
+                <a:schemeClr val="tx1">
+                  <a:lumMod val="65000"/>
+                  <a:lumOff val="35000"/>
+                </a:schemeClr>
+              </a:solidFill>
+            </a:endParaRPr>
+          </a:p>
+          <a:p>
+            <a:pPr algn="ctr"/>
             <a:endParaRPr lang="en-US" dirty="0"/>
           </a:p>
           <a:p>
@@ -6534,10 +6548,6 @@
                 <a:srgbClr val="00417C"/>
               </a:solidFill>
             </a:endParaRPr>
-          </a:p>
-          <a:p>
-            <a:pPr algn="ctr"/>
-            <a:endParaRPr lang="en-US" dirty="0"/>
           </a:p>
         </p:txBody>
       </p:sp>
@@ -7794,10 +7804,10 @@
       </p:grpSpPr>
       <p:sp>
         <p:nvSpPr>
-          <p:cNvPr id="4" name="Title 3">
-            <a:extLst>
-              <a:ext uri="{FF2B5EF4-FFF2-40B4-BE49-F238E27FC236}">
-                <a16:creationId xmlns:a16="http://schemas.microsoft.com/office/drawing/2014/main" id="{2294EFA0-6453-DC41-99AD-6FCD7C124977}"/>
+          <p:cNvPr id="2" name="Title 1">
+            <a:extLst>
+              <a:ext uri="{FF2B5EF4-FFF2-40B4-BE49-F238E27FC236}">
+                <a16:creationId xmlns:a16="http://schemas.microsoft.com/office/drawing/2014/main" id="{057F307B-1661-6B4D-AE74-C49A8FC99268}"/>
               </a:ext>
             </a:extLst>
           </p:cNvPr>
@@ -7808,46 +7818,77 @@
             <p:ph type="title"/>
           </p:nvPr>
         </p:nvSpPr>
-        <p:spPr/>
-        <p:txBody>
-          <a:bodyPr/>
-          <a:lstStyle/>
-          <a:p>
-            <a:endParaRPr lang="en-US"/>
-          </a:p>
-        </p:txBody>
-      </p:sp>
-      <p:sp>
-        <p:nvSpPr>
-          <p:cNvPr id="2" name="TextBox 1">
-            <a:extLst>
-              <a:ext uri="{FF2B5EF4-FFF2-40B4-BE49-F238E27FC236}">
-                <a16:creationId xmlns:a16="http://schemas.microsoft.com/office/drawing/2014/main" id="{2E3FBD67-E726-0541-A528-F4B4B8FA1113}"/>
-              </a:ext>
-            </a:extLst>
-          </p:cNvPr>
-          <p:cNvSpPr txBox="1"/>
-          <p:nvPr/>
-        </p:nvSpPr>
-        <p:spPr>
-          <a:xfrm>
-            <a:off x="4529796" y="3013501"/>
-            <a:ext cx="2381101" cy="830997"/>
-          </a:xfrm>
-          <a:prstGeom prst="rect">
-            <a:avLst/>
-          </a:prstGeom>
-          <a:noFill/>
-        </p:spPr>
-        <p:txBody>
-          <a:bodyPr wrap="none" rtlCol="0">
-            <a:spAutoFit/>
+        <p:spPr>
+          <a:xfrm>
+            <a:off x="983343" y="2103437"/>
+            <a:ext cx="10515600" cy="1325563"/>
+          </a:xfrm>
+        </p:spPr>
+        <p:txBody>
+          <a:bodyPr>
+            <a:normAutofit/>
           </a:bodyPr>
           <a:lstStyle/>
           <a:p>
             <a:r>
-              <a:rPr lang="en-US" sz="4800" dirty="0"/>
-              <a:t>GRACIAS</a:t>
+              <a:rPr lang="en-US" dirty="0"/>
+              <a:t>Mirada breve a </a:t>
+            </a:r>
+            <a:r>
+              <a:rPr lang="en-US" dirty="0" err="1"/>
+              <a:t>otros</a:t>
+            </a:r>
+            <a:r>
+              <a:rPr lang="en-US" dirty="0"/>
+              <a:t> </a:t>
+            </a:r>
+            <a:r>
+              <a:rPr lang="en-US" dirty="0" err="1"/>
+              <a:t>países</a:t>
+            </a:r>
+            <a:r>
+              <a:rPr lang="en-US" dirty="0"/>
+              <a:t> con alto </a:t>
+            </a:r>
+            <a:r>
+              <a:rPr lang="en-US" dirty="0" err="1"/>
+              <a:t>nivel</a:t>
+            </a:r>
+            <a:r>
+              <a:rPr lang="en-US" dirty="0"/>
+              <a:t> de </a:t>
+            </a:r>
+            <a:r>
+              <a:rPr lang="en-US" dirty="0" err="1"/>
+              <a:t>contagio</a:t>
+            </a:r>
+            <a:r>
+              <a:rPr lang="en-US" dirty="0"/>
+              <a:t> y </a:t>
+            </a:r>
+            <a:r>
+              <a:rPr lang="en-US" dirty="0" err="1"/>
+              <a:t>alta</a:t>
+            </a:r>
+            <a:r>
+              <a:rPr lang="en-US" dirty="0"/>
+              <a:t> </a:t>
+            </a:r>
+            <a:r>
+              <a:rPr lang="en-US" dirty="0" err="1"/>
+              <a:t>cobertura</a:t>
+            </a:r>
+            <a:r>
+              <a:rPr lang="en-US" dirty="0"/>
+              <a:t> de </a:t>
+            </a:r>
+            <a:r>
+              <a:rPr lang="en-US" dirty="0" err="1"/>
+              <a:t>refuerzo</a:t>
+            </a:r>
+            <a:r>
+              <a:rPr lang="en-US" dirty="0"/>
+              <a:t> (&gt; 50%)</a:t>
             </a:r>
           </a:p>
         </p:txBody>
@@ -7855,7 +7896,7 @@
     </p:spTree>
     <p:extLst>
       <p:ext uri="{BB962C8B-B14F-4D97-AF65-F5344CB8AC3E}">
-        <p14:creationId xmlns:p14="http://schemas.microsoft.com/office/powerpoint/2010/main" val="1719104293"/>
+        <p14:creationId xmlns:p14="http://schemas.microsoft.com/office/powerpoint/2010/main" val="4191357535"/>
       </p:ext>
     </p:extLst>
   </p:cSld>
@@ -7884,10 +7925,670 @@
       </p:grpSpPr>
       <p:sp>
         <p:nvSpPr>
-          <p:cNvPr id="2" name="Title 1">
-            <a:extLst>
-              <a:ext uri="{FF2B5EF4-FFF2-40B4-BE49-F238E27FC236}">
-                <a16:creationId xmlns:a16="http://schemas.microsoft.com/office/drawing/2014/main" id="{057F307B-1661-6B4D-AE74-C49A8FC99268}"/>
+          <p:cNvPr id="4" name="TextBox 3">
+            <a:extLst>
+              <a:ext uri="{FF2B5EF4-FFF2-40B4-BE49-F238E27FC236}">
+                <a16:creationId xmlns:a16="http://schemas.microsoft.com/office/drawing/2014/main" id="{73CB0D0C-96DE-7B41-B359-B6ACCDE57342}"/>
+              </a:ext>
+            </a:extLst>
+          </p:cNvPr>
+          <p:cNvSpPr txBox="1"/>
+          <p:nvPr/>
+        </p:nvSpPr>
+        <p:spPr>
+          <a:xfrm>
+            <a:off x="4322630" y="0"/>
+            <a:ext cx="3546740" cy="369332"/>
+          </a:xfrm>
+          <a:prstGeom prst="rect">
+            <a:avLst/>
+          </a:prstGeom>
+          <a:noFill/>
+        </p:spPr>
+        <p:txBody>
+          <a:bodyPr wrap="none" rtlCol="0">
+            <a:spAutoFit/>
+          </a:bodyPr>
+          <a:lstStyle/>
+          <a:p>
+            <a:r>
+              <a:rPr lang="en-US" dirty="0"/>
+              <a:t>CASOS DIARIOS X 100K HABITANTES</a:t>
+            </a:r>
+          </a:p>
+        </p:txBody>
+      </p:sp>
+      <p:sp>
+        <p:nvSpPr>
+          <p:cNvPr id="5" name="TextBox 4">
+            <a:extLst>
+              <a:ext uri="{FF2B5EF4-FFF2-40B4-BE49-F238E27FC236}">
+                <a16:creationId xmlns:a16="http://schemas.microsoft.com/office/drawing/2014/main" id="{E3D9A806-8659-874F-BC52-491EAF282C5C}"/>
+              </a:ext>
+            </a:extLst>
+          </p:cNvPr>
+          <p:cNvSpPr txBox="1"/>
+          <p:nvPr/>
+        </p:nvSpPr>
+        <p:spPr>
+          <a:xfrm>
+            <a:off x="0" y="6488668"/>
+            <a:ext cx="3508140" cy="369332"/>
+          </a:xfrm>
+          <a:prstGeom prst="rect">
+            <a:avLst/>
+          </a:prstGeom>
+          <a:noFill/>
+        </p:spPr>
+        <p:txBody>
+          <a:bodyPr wrap="none" rtlCol="0">
+            <a:spAutoFit/>
+          </a:bodyPr>
+          <a:lstStyle/>
+          <a:p>
+            <a:r>
+              <a:rPr lang="en-US" dirty="0"/>
+              <a:t>Fuente de </a:t>
+            </a:r>
+            <a:r>
+              <a:rPr lang="en-US" dirty="0" err="1"/>
+              <a:t>datos</a:t>
+            </a:r>
+            <a:r>
+              <a:rPr lang="en-US" dirty="0"/>
+              <a:t>: Our World in Data</a:t>
+            </a:r>
+          </a:p>
+        </p:txBody>
+      </p:sp>
+      <p:pic>
+        <p:nvPicPr>
+          <p:cNvPr id="6" name="Picture 5">
+            <a:extLst>
+              <a:ext uri="{FF2B5EF4-FFF2-40B4-BE49-F238E27FC236}">
+                <a16:creationId xmlns:a16="http://schemas.microsoft.com/office/drawing/2014/main" id="{E2C5D49A-16E5-6F4A-87E5-F9ABC802EFB9}"/>
+              </a:ext>
+            </a:extLst>
+          </p:cNvPr>
+          <p:cNvPicPr>
+            <a:picLocks noChangeAspect="1"/>
+          </p:cNvPicPr>
+          <p:nvPr/>
+        </p:nvPicPr>
+        <p:blipFill>
+          <a:blip r:embed="rId2"/>
+          <a:stretch>
+            <a:fillRect/>
+          </a:stretch>
+        </p:blipFill>
+        <p:spPr>
+          <a:xfrm>
+            <a:off x="1403350" y="711200"/>
+            <a:ext cx="9385300" cy="5435600"/>
+          </a:xfrm>
+          <a:prstGeom prst="rect">
+            <a:avLst/>
+          </a:prstGeom>
+        </p:spPr>
+      </p:pic>
+    </p:spTree>
+    <p:extLst>
+      <p:ext uri="{BB962C8B-B14F-4D97-AF65-F5344CB8AC3E}">
+        <p14:creationId xmlns:p14="http://schemas.microsoft.com/office/powerpoint/2010/main" val="3241572064"/>
+      </p:ext>
+    </p:extLst>
+  </p:cSld>
+  <p:clrMapOvr>
+    <a:masterClrMapping/>
+  </p:clrMapOvr>
+</p:sld>
+</file>
+
+<file path=ppt/slides/slide25.xml><?xml version="1.0" encoding="utf-8"?>
+<p:sld xmlns:a="http://schemas.openxmlformats.org/drawingml/2006/main" xmlns:r="http://schemas.openxmlformats.org/officeDocument/2006/relationships" xmlns:p="http://schemas.openxmlformats.org/presentationml/2006/main">
+  <p:cSld>
+    <p:spTree>
+      <p:nvGrpSpPr>
+        <p:cNvPr id="1" name=""/>
+        <p:cNvGrpSpPr/>
+        <p:nvPr/>
+      </p:nvGrpSpPr>
+      <p:grpSpPr>
+        <a:xfrm>
+          <a:off x="0" y="0"/>
+          <a:ext cx="0" cy="0"/>
+          <a:chOff x="0" y="0"/>
+          <a:chExt cx="0" cy="0"/>
+        </a:xfrm>
+      </p:grpSpPr>
+      <p:sp>
+        <p:nvSpPr>
+          <p:cNvPr id="4" name="TextBox 3">
+            <a:extLst>
+              <a:ext uri="{FF2B5EF4-FFF2-40B4-BE49-F238E27FC236}">
+                <a16:creationId xmlns:a16="http://schemas.microsoft.com/office/drawing/2014/main" id="{73CB0D0C-96DE-7B41-B359-B6ACCDE57342}"/>
+              </a:ext>
+            </a:extLst>
+          </p:cNvPr>
+          <p:cNvSpPr txBox="1"/>
+          <p:nvPr/>
+        </p:nvSpPr>
+        <p:spPr>
+          <a:xfrm>
+            <a:off x="4322630" y="0"/>
+            <a:ext cx="3546740" cy="369332"/>
+          </a:xfrm>
+          <a:prstGeom prst="rect">
+            <a:avLst/>
+          </a:prstGeom>
+          <a:noFill/>
+        </p:spPr>
+        <p:txBody>
+          <a:bodyPr wrap="none" rtlCol="0">
+            <a:spAutoFit/>
+          </a:bodyPr>
+          <a:lstStyle/>
+          <a:p>
+            <a:r>
+              <a:rPr lang="en-US" dirty="0"/>
+              <a:t>CASOS DIARIOS X 100K HABITANTES</a:t>
+            </a:r>
+          </a:p>
+        </p:txBody>
+      </p:sp>
+      <p:sp>
+        <p:nvSpPr>
+          <p:cNvPr id="5" name="TextBox 4">
+            <a:extLst>
+              <a:ext uri="{FF2B5EF4-FFF2-40B4-BE49-F238E27FC236}">
+                <a16:creationId xmlns:a16="http://schemas.microsoft.com/office/drawing/2014/main" id="{E3D9A806-8659-874F-BC52-491EAF282C5C}"/>
+              </a:ext>
+            </a:extLst>
+          </p:cNvPr>
+          <p:cNvSpPr txBox="1"/>
+          <p:nvPr/>
+        </p:nvSpPr>
+        <p:spPr>
+          <a:xfrm>
+            <a:off x="0" y="6488668"/>
+            <a:ext cx="3508140" cy="369332"/>
+          </a:xfrm>
+          <a:prstGeom prst="rect">
+            <a:avLst/>
+          </a:prstGeom>
+          <a:noFill/>
+        </p:spPr>
+        <p:txBody>
+          <a:bodyPr wrap="none" rtlCol="0">
+            <a:spAutoFit/>
+          </a:bodyPr>
+          <a:lstStyle/>
+          <a:p>
+            <a:r>
+              <a:rPr lang="en-US" dirty="0"/>
+              <a:t>Fuente de </a:t>
+            </a:r>
+            <a:r>
+              <a:rPr lang="en-US" dirty="0" err="1"/>
+              <a:t>datos</a:t>
+            </a:r>
+            <a:r>
+              <a:rPr lang="en-US" dirty="0"/>
+              <a:t>: Our World in Data</a:t>
+            </a:r>
+          </a:p>
+        </p:txBody>
+      </p:sp>
+      <p:pic>
+        <p:nvPicPr>
+          <p:cNvPr id="6" name="Picture 5">
+            <a:extLst>
+              <a:ext uri="{FF2B5EF4-FFF2-40B4-BE49-F238E27FC236}">
+                <a16:creationId xmlns:a16="http://schemas.microsoft.com/office/drawing/2014/main" id="{E2C5D49A-16E5-6F4A-87E5-F9ABC802EFB9}"/>
+              </a:ext>
+            </a:extLst>
+          </p:cNvPr>
+          <p:cNvPicPr>
+            <a:picLocks noChangeAspect="1"/>
+          </p:cNvPicPr>
+          <p:nvPr/>
+        </p:nvPicPr>
+        <p:blipFill>
+          <a:blip r:embed="rId2"/>
+          <a:stretch>
+            <a:fillRect/>
+          </a:stretch>
+        </p:blipFill>
+        <p:spPr>
+          <a:xfrm>
+            <a:off x="1403350" y="711200"/>
+            <a:ext cx="9385300" cy="5435600"/>
+          </a:xfrm>
+          <a:prstGeom prst="rect">
+            <a:avLst/>
+          </a:prstGeom>
+        </p:spPr>
+      </p:pic>
+      <p:sp>
+        <p:nvSpPr>
+          <p:cNvPr id="2" name="TextBox 1">
+            <a:extLst>
+              <a:ext uri="{FF2B5EF4-FFF2-40B4-BE49-F238E27FC236}">
+                <a16:creationId xmlns:a16="http://schemas.microsoft.com/office/drawing/2014/main" id="{C4754723-8917-AB4E-819E-54FD40DC8A6D}"/>
+              </a:ext>
+            </a:extLst>
+          </p:cNvPr>
+          <p:cNvSpPr txBox="1"/>
+          <p:nvPr/>
+        </p:nvSpPr>
+        <p:spPr>
+          <a:xfrm>
+            <a:off x="10540825" y="1436915"/>
+            <a:ext cx="495649" cy="307777"/>
+          </a:xfrm>
+          <a:prstGeom prst="rect">
+            <a:avLst/>
+          </a:prstGeom>
+          <a:noFill/>
+        </p:spPr>
+        <p:txBody>
+          <a:bodyPr wrap="none" rtlCol="0">
+            <a:spAutoFit/>
+          </a:bodyPr>
+          <a:lstStyle/>
+          <a:p>
+            <a:r>
+              <a:rPr lang="en-US" sz="1400" dirty="0"/>
+              <a:t>62%</a:t>
+            </a:r>
+          </a:p>
+        </p:txBody>
+      </p:sp>
+      <p:sp>
+        <p:nvSpPr>
+          <p:cNvPr id="8" name="TextBox 7">
+            <a:extLst>
+              <a:ext uri="{FF2B5EF4-FFF2-40B4-BE49-F238E27FC236}">
+                <a16:creationId xmlns:a16="http://schemas.microsoft.com/office/drawing/2014/main" id="{86D8F850-D632-9F49-A709-A44933DEE831}"/>
+              </a:ext>
+            </a:extLst>
+          </p:cNvPr>
+          <p:cNvSpPr txBox="1"/>
+          <p:nvPr/>
+        </p:nvSpPr>
+        <p:spPr>
+          <a:xfrm>
+            <a:off x="10540824" y="1590803"/>
+            <a:ext cx="495649" cy="307777"/>
+          </a:xfrm>
+          <a:prstGeom prst="rect">
+            <a:avLst/>
+          </a:prstGeom>
+          <a:noFill/>
+        </p:spPr>
+        <p:txBody>
+          <a:bodyPr wrap="none" rtlCol="0">
+            <a:spAutoFit/>
+          </a:bodyPr>
+          <a:lstStyle/>
+          <a:p>
+            <a:r>
+              <a:rPr lang="en-US" sz="1400" dirty="0"/>
+              <a:t>55%</a:t>
+            </a:r>
+          </a:p>
+        </p:txBody>
+      </p:sp>
+      <p:sp>
+        <p:nvSpPr>
+          <p:cNvPr id="9" name="TextBox 8">
+            <a:extLst>
+              <a:ext uri="{FF2B5EF4-FFF2-40B4-BE49-F238E27FC236}">
+                <a16:creationId xmlns:a16="http://schemas.microsoft.com/office/drawing/2014/main" id="{05655B15-6E21-9C45-8230-7393BE161E59}"/>
+              </a:ext>
+            </a:extLst>
+          </p:cNvPr>
+          <p:cNvSpPr txBox="1"/>
+          <p:nvPr/>
+        </p:nvSpPr>
+        <p:spPr>
+          <a:xfrm>
+            <a:off x="10540823" y="1778783"/>
+            <a:ext cx="495649" cy="307777"/>
+          </a:xfrm>
+          <a:prstGeom prst="rect">
+            <a:avLst/>
+          </a:prstGeom>
+          <a:noFill/>
+        </p:spPr>
+        <p:txBody>
+          <a:bodyPr wrap="none" rtlCol="0">
+            <a:spAutoFit/>
+          </a:bodyPr>
+          <a:lstStyle/>
+          <a:p>
+            <a:r>
+              <a:rPr lang="en-US" sz="1400" dirty="0"/>
+              <a:t>52%</a:t>
+            </a:r>
+          </a:p>
+        </p:txBody>
+      </p:sp>
+      <p:sp>
+        <p:nvSpPr>
+          <p:cNvPr id="10" name="TextBox 9">
+            <a:extLst>
+              <a:ext uri="{FF2B5EF4-FFF2-40B4-BE49-F238E27FC236}">
+                <a16:creationId xmlns:a16="http://schemas.microsoft.com/office/drawing/2014/main" id="{6E12C87A-5B91-154C-81E1-9A13562A82F2}"/>
+              </a:ext>
+            </a:extLst>
+          </p:cNvPr>
+          <p:cNvSpPr txBox="1"/>
+          <p:nvPr/>
+        </p:nvSpPr>
+        <p:spPr>
+          <a:xfrm>
+            <a:off x="10540822" y="2120651"/>
+            <a:ext cx="495649" cy="307777"/>
+          </a:xfrm>
+          <a:prstGeom prst="rect">
+            <a:avLst/>
+          </a:prstGeom>
+          <a:noFill/>
+        </p:spPr>
+        <p:txBody>
+          <a:bodyPr wrap="none" rtlCol="0">
+            <a:spAutoFit/>
+          </a:bodyPr>
+          <a:lstStyle/>
+          <a:p>
+            <a:r>
+              <a:rPr lang="en-US" sz="1400" dirty="0"/>
+              <a:t>53%</a:t>
+            </a:r>
+          </a:p>
+        </p:txBody>
+      </p:sp>
+      <p:sp>
+        <p:nvSpPr>
+          <p:cNvPr id="11" name="TextBox 10">
+            <a:extLst>
+              <a:ext uri="{FF2B5EF4-FFF2-40B4-BE49-F238E27FC236}">
+                <a16:creationId xmlns:a16="http://schemas.microsoft.com/office/drawing/2014/main" id="{C7CF361C-F761-484C-9A81-0338003F031C}"/>
+              </a:ext>
+            </a:extLst>
+          </p:cNvPr>
+          <p:cNvSpPr txBox="1"/>
+          <p:nvPr/>
+        </p:nvSpPr>
+        <p:spPr>
+          <a:xfrm>
+            <a:off x="10540822" y="2328242"/>
+            <a:ext cx="495649" cy="307777"/>
+          </a:xfrm>
+          <a:prstGeom prst="rect">
+            <a:avLst/>
+          </a:prstGeom>
+          <a:noFill/>
+        </p:spPr>
+        <p:txBody>
+          <a:bodyPr wrap="none" rtlCol="0">
+            <a:spAutoFit/>
+          </a:bodyPr>
+          <a:lstStyle/>
+          <a:p>
+            <a:r>
+              <a:rPr lang="en-US" sz="1400" dirty="0"/>
+              <a:t>57%</a:t>
+            </a:r>
+          </a:p>
+        </p:txBody>
+      </p:sp>
+      <p:sp>
+        <p:nvSpPr>
+          <p:cNvPr id="12" name="TextBox 11">
+            <a:extLst>
+              <a:ext uri="{FF2B5EF4-FFF2-40B4-BE49-F238E27FC236}">
+                <a16:creationId xmlns:a16="http://schemas.microsoft.com/office/drawing/2014/main" id="{A0CB7536-0975-9843-AF71-7E0AA6CF737F}"/>
+              </a:ext>
+            </a:extLst>
+          </p:cNvPr>
+          <p:cNvSpPr txBox="1"/>
+          <p:nvPr/>
+        </p:nvSpPr>
+        <p:spPr>
+          <a:xfrm>
+            <a:off x="10540822" y="2535833"/>
+            <a:ext cx="495649" cy="307777"/>
+          </a:xfrm>
+          <a:prstGeom prst="rect">
+            <a:avLst/>
+          </a:prstGeom>
+          <a:noFill/>
+        </p:spPr>
+        <p:txBody>
+          <a:bodyPr wrap="none" rtlCol="0">
+            <a:spAutoFit/>
+          </a:bodyPr>
+          <a:lstStyle/>
+          <a:p>
+            <a:r>
+              <a:rPr lang="en-US" sz="1400" dirty="0"/>
+              <a:t>67%</a:t>
+            </a:r>
+          </a:p>
+        </p:txBody>
+      </p:sp>
+      <p:sp>
+        <p:nvSpPr>
+          <p:cNvPr id="3" name="TextBox 2">
+            <a:extLst>
+              <a:ext uri="{FF2B5EF4-FFF2-40B4-BE49-F238E27FC236}">
+                <a16:creationId xmlns:a16="http://schemas.microsoft.com/office/drawing/2014/main" id="{CF46C9F8-F63E-714F-97E2-1CCE35EDF756}"/>
+              </a:ext>
+            </a:extLst>
+          </p:cNvPr>
+          <p:cNvSpPr txBox="1"/>
+          <p:nvPr/>
+        </p:nvSpPr>
+        <p:spPr>
+          <a:xfrm>
+            <a:off x="10281103" y="959861"/>
+            <a:ext cx="1015086" cy="369332"/>
+          </a:xfrm>
+          <a:prstGeom prst="rect">
+            <a:avLst/>
+          </a:prstGeom>
+          <a:noFill/>
+        </p:spPr>
+        <p:txBody>
+          <a:bodyPr wrap="none" rtlCol="0">
+            <a:spAutoFit/>
+          </a:bodyPr>
+          <a:lstStyle/>
+          <a:p>
+            <a:r>
+              <a:rPr lang="en-US" dirty="0" err="1"/>
+              <a:t>Refuerzo</a:t>
+            </a:r>
+            <a:endParaRPr lang="en-US" dirty="0"/>
+          </a:p>
+        </p:txBody>
+      </p:sp>
+    </p:spTree>
+    <p:extLst>
+      <p:ext uri="{BB962C8B-B14F-4D97-AF65-F5344CB8AC3E}">
+        <p14:creationId xmlns:p14="http://schemas.microsoft.com/office/powerpoint/2010/main" val="471326443"/>
+      </p:ext>
+    </p:extLst>
+  </p:cSld>
+  <p:clrMapOvr>
+    <a:masterClrMapping/>
+  </p:clrMapOvr>
+</p:sld>
+</file>
+
+<file path=ppt/slides/slide26.xml><?xml version="1.0" encoding="utf-8"?>
+<p:sld xmlns:a="http://schemas.openxmlformats.org/drawingml/2006/main" xmlns:r="http://schemas.openxmlformats.org/officeDocument/2006/relationships" xmlns:p="http://schemas.openxmlformats.org/presentationml/2006/main">
+  <p:cSld>
+    <p:spTree>
+      <p:nvGrpSpPr>
+        <p:cNvPr id="1" name=""/>
+        <p:cNvGrpSpPr/>
+        <p:nvPr/>
+      </p:nvGrpSpPr>
+      <p:grpSpPr>
+        <a:xfrm>
+          <a:off x="0" y="0"/>
+          <a:ext cx="0" cy="0"/>
+          <a:chOff x="0" y="0"/>
+          <a:chExt cx="0" cy="0"/>
+        </a:xfrm>
+      </p:grpSpPr>
+      <p:sp>
+        <p:nvSpPr>
+          <p:cNvPr id="4" name="TextBox 3">
+            <a:extLst>
+              <a:ext uri="{FF2B5EF4-FFF2-40B4-BE49-F238E27FC236}">
+                <a16:creationId xmlns:a16="http://schemas.microsoft.com/office/drawing/2014/main" id="{73CB0D0C-96DE-7B41-B359-B6ACCDE57342}"/>
+              </a:ext>
+            </a:extLst>
+          </p:cNvPr>
+          <p:cNvSpPr txBox="1"/>
+          <p:nvPr/>
+        </p:nvSpPr>
+        <p:spPr>
+          <a:xfrm>
+            <a:off x="3784758" y="0"/>
+            <a:ext cx="4622484" cy="369332"/>
+          </a:xfrm>
+          <a:prstGeom prst="rect">
+            <a:avLst/>
+          </a:prstGeom>
+          <a:noFill/>
+        </p:spPr>
+        <p:txBody>
+          <a:bodyPr wrap="none" rtlCol="0">
+            <a:spAutoFit/>
+          </a:bodyPr>
+          <a:lstStyle/>
+          <a:p>
+            <a:r>
+              <a:rPr lang="en-US" dirty="0"/>
+              <a:t>FALLECIDOS DIARIOS X MILLÓN DE HABITANTES</a:t>
+            </a:r>
+          </a:p>
+        </p:txBody>
+      </p:sp>
+      <p:sp>
+        <p:nvSpPr>
+          <p:cNvPr id="5" name="TextBox 4">
+            <a:extLst>
+              <a:ext uri="{FF2B5EF4-FFF2-40B4-BE49-F238E27FC236}">
+                <a16:creationId xmlns:a16="http://schemas.microsoft.com/office/drawing/2014/main" id="{E3D9A806-8659-874F-BC52-491EAF282C5C}"/>
+              </a:ext>
+            </a:extLst>
+          </p:cNvPr>
+          <p:cNvSpPr txBox="1"/>
+          <p:nvPr/>
+        </p:nvSpPr>
+        <p:spPr>
+          <a:xfrm>
+            <a:off x="0" y="6488668"/>
+            <a:ext cx="3508140" cy="369332"/>
+          </a:xfrm>
+          <a:prstGeom prst="rect">
+            <a:avLst/>
+          </a:prstGeom>
+          <a:noFill/>
+        </p:spPr>
+        <p:txBody>
+          <a:bodyPr wrap="none" rtlCol="0">
+            <a:spAutoFit/>
+          </a:bodyPr>
+          <a:lstStyle/>
+          <a:p>
+            <a:r>
+              <a:rPr lang="en-US" dirty="0"/>
+              <a:t>Fuente de </a:t>
+            </a:r>
+            <a:r>
+              <a:rPr lang="en-US" dirty="0" err="1"/>
+              <a:t>datos</a:t>
+            </a:r>
+            <a:r>
+              <a:rPr lang="en-US" dirty="0"/>
+              <a:t>: Our World in Data</a:t>
+            </a:r>
+          </a:p>
+        </p:txBody>
+      </p:sp>
+      <p:pic>
+        <p:nvPicPr>
+          <p:cNvPr id="6" name="Picture 5">
+            <a:extLst>
+              <a:ext uri="{FF2B5EF4-FFF2-40B4-BE49-F238E27FC236}">
+                <a16:creationId xmlns:a16="http://schemas.microsoft.com/office/drawing/2014/main" id="{1585DDDE-4516-CB4B-83BB-25BC44FCFEDF}"/>
+              </a:ext>
+            </a:extLst>
+          </p:cNvPr>
+          <p:cNvPicPr>
+            <a:picLocks noChangeAspect="1"/>
+          </p:cNvPicPr>
+          <p:nvPr/>
+        </p:nvPicPr>
+        <p:blipFill>
+          <a:blip r:embed="rId2"/>
+          <a:stretch>
+            <a:fillRect/>
+          </a:stretch>
+        </p:blipFill>
+        <p:spPr>
+          <a:xfrm>
+            <a:off x="1441450" y="704850"/>
+            <a:ext cx="9309100" cy="5448300"/>
+          </a:xfrm>
+          <a:prstGeom prst="rect">
+            <a:avLst/>
+          </a:prstGeom>
+        </p:spPr>
+      </p:pic>
+    </p:spTree>
+    <p:extLst>
+      <p:ext uri="{BB962C8B-B14F-4D97-AF65-F5344CB8AC3E}">
+        <p14:creationId xmlns:p14="http://schemas.microsoft.com/office/powerpoint/2010/main" val="178005163"/>
+      </p:ext>
+    </p:extLst>
+  </p:cSld>
+  <p:clrMapOvr>
+    <a:masterClrMapping/>
+  </p:clrMapOvr>
+</p:sld>
+</file>
+
+<file path=ppt/slides/slide27.xml><?xml version="1.0" encoding="utf-8"?>
+<p:sld xmlns:a="http://schemas.openxmlformats.org/drawingml/2006/main" xmlns:r="http://schemas.openxmlformats.org/officeDocument/2006/relationships" xmlns:p="http://schemas.openxmlformats.org/presentationml/2006/main">
+  <p:cSld>
+    <p:spTree>
+      <p:nvGrpSpPr>
+        <p:cNvPr id="1" name=""/>
+        <p:cNvGrpSpPr/>
+        <p:nvPr/>
+      </p:nvGrpSpPr>
+      <p:grpSpPr>
+        <a:xfrm>
+          <a:off x="0" y="0"/>
+          <a:ext cx="0" cy="0"/>
+          <a:chOff x="0" y="0"/>
+          <a:chExt cx="0" cy="0"/>
+        </a:xfrm>
+      </p:grpSpPr>
+      <p:sp>
+        <p:nvSpPr>
+          <p:cNvPr id="4" name="Title 3">
+            <a:extLst>
+              <a:ext uri="{FF2B5EF4-FFF2-40B4-BE49-F238E27FC236}">
+                <a16:creationId xmlns:a16="http://schemas.microsoft.com/office/drawing/2014/main" id="{2294EFA0-6453-DC41-99AD-6FCD7C124977}"/>
               </a:ext>
             </a:extLst>
           </p:cNvPr>
@@ -7907,10 +8608,45 @@
           </a:p>
         </p:txBody>
       </p:sp>
+      <p:sp>
+        <p:nvSpPr>
+          <p:cNvPr id="2" name="TextBox 1">
+            <a:extLst>
+              <a:ext uri="{FF2B5EF4-FFF2-40B4-BE49-F238E27FC236}">
+                <a16:creationId xmlns:a16="http://schemas.microsoft.com/office/drawing/2014/main" id="{2E3FBD67-E726-0541-A528-F4B4B8FA1113}"/>
+              </a:ext>
+            </a:extLst>
+          </p:cNvPr>
+          <p:cNvSpPr txBox="1"/>
+          <p:nvPr/>
+        </p:nvSpPr>
+        <p:spPr>
+          <a:xfrm>
+            <a:off x="4529796" y="3013501"/>
+            <a:ext cx="2381101" cy="830997"/>
+          </a:xfrm>
+          <a:prstGeom prst="rect">
+            <a:avLst/>
+          </a:prstGeom>
+          <a:noFill/>
+        </p:spPr>
+        <p:txBody>
+          <a:bodyPr wrap="none" rtlCol="0">
+            <a:spAutoFit/>
+          </a:bodyPr>
+          <a:lstStyle/>
+          <a:p>
+            <a:r>
+              <a:rPr lang="en-US" sz="4800" dirty="0"/>
+              <a:t>GRACIAS</a:t>
+            </a:r>
+          </a:p>
+        </p:txBody>
+      </p:sp>
     </p:spTree>
     <p:extLst>
       <p:ext uri="{BB962C8B-B14F-4D97-AF65-F5344CB8AC3E}">
-        <p14:creationId xmlns:p14="http://schemas.microsoft.com/office/powerpoint/2010/main" val="4191357535"/>
+        <p14:creationId xmlns:p14="http://schemas.microsoft.com/office/powerpoint/2010/main" val="1719104293"/>
       </p:ext>
     </p:extLst>
   </p:cSld>
@@ -8412,7 +9148,7 @@
         </p:blipFill>
         <p:spPr>
           <a:xfrm>
-            <a:off x="2496457" y="954107"/>
+            <a:off x="3381829" y="954107"/>
             <a:ext cx="7199086" cy="5399315"/>
           </a:xfrm>
           <a:prstGeom prst="rect">
@@ -8616,7 +9352,7 @@
         </p:nvSpPr>
         <p:spPr>
           <a:xfrm rot="20982133">
-            <a:off x="6595695" y="2983396"/>
+            <a:off x="7481067" y="2983396"/>
             <a:ext cx="1667622" cy="1093081"/>
           </a:xfrm>
           <a:prstGeom prst="ellipse">
@@ -8627,6 +9363,89 @@
             <a:solidFill>
               <a:srgbClr val="FF0000"/>
             </a:solidFill>
+          </a:ln>
+        </p:spPr>
+        <p:style>
+          <a:lnRef idx="2">
+            <a:schemeClr val="accent1">
+              <a:shade val="50000"/>
+            </a:schemeClr>
+          </a:lnRef>
+          <a:fillRef idx="1">
+            <a:schemeClr val="accent1"/>
+          </a:fillRef>
+          <a:effectRef idx="0">
+            <a:schemeClr val="accent1"/>
+          </a:effectRef>
+          <a:fontRef idx="minor">
+            <a:schemeClr val="lt1"/>
+          </a:fontRef>
+        </p:style>
+        <p:txBody>
+          <a:bodyPr rtlCol="0" anchor="ctr"/>
+          <a:lstStyle/>
+          <a:p>
+            <a:pPr algn="ctr"/>
+            <a:endParaRPr lang="en-US"/>
+          </a:p>
+        </p:txBody>
+      </p:sp>
+      <p:pic>
+        <p:nvPicPr>
+          <p:cNvPr id="7" name="Imagen 4">
+            <a:extLst>
+              <a:ext uri="{FF2B5EF4-FFF2-40B4-BE49-F238E27FC236}">
+                <a16:creationId xmlns:a16="http://schemas.microsoft.com/office/drawing/2014/main" id="{6EBF3098-D557-7946-8054-7ECD1587EF53}"/>
+              </a:ext>
+            </a:extLst>
+          </p:cNvPr>
+          <p:cNvPicPr>
+            <a:picLocks noChangeAspect="1"/>
+          </p:cNvPicPr>
+          <p:nvPr/>
+        </p:nvPicPr>
+        <p:blipFill>
+          <a:blip r:embed="rId4"/>
+          <a:stretch>
+            <a:fillRect/>
+          </a:stretch>
+        </p:blipFill>
+        <p:spPr>
+          <a:xfrm>
+            <a:off x="344258" y="1359581"/>
+            <a:ext cx="2830579" cy="2114724"/>
+          </a:xfrm>
+          <a:prstGeom prst="rect">
+            <a:avLst/>
+          </a:prstGeom>
+        </p:spPr>
+      </p:pic>
+      <p:sp>
+        <p:nvSpPr>
+          <p:cNvPr id="9" name="Oval 8">
+            <a:extLst>
+              <a:ext uri="{FF2B5EF4-FFF2-40B4-BE49-F238E27FC236}">
+                <a16:creationId xmlns:a16="http://schemas.microsoft.com/office/drawing/2014/main" id="{959E3C73-8786-D940-A49A-F96451DA0724}"/>
+              </a:ext>
+            </a:extLst>
+          </p:cNvPr>
+          <p:cNvSpPr/>
+          <p:nvPr/>
+        </p:nvSpPr>
+        <p:spPr>
+          <a:xfrm>
+            <a:off x="2220687" y="1848177"/>
+            <a:ext cx="711200" cy="590224"/>
+          </a:xfrm>
+          <a:prstGeom prst="ellipse">
+            <a:avLst/>
+          </a:prstGeom>
+          <a:noFill/>
+          <a:ln w="38100">
+            <a:solidFill>
+              <a:srgbClr val="FF0000"/>
+            </a:solidFill>
+            <a:prstDash val="sysDot"/>
           </a:ln>
         </p:spPr>
         <p:style>
